--- a/asset/Presentation1.pptx
+++ b/asset/Presentation1.pptx
@@ -6,6 +6,7 @@
   </p:sldMasterIdLst>
   <p:sldIdLst>
     <p:sldId id="256" r:id="rId2"/>
+    <p:sldId id="257" r:id="rId3"/>
   </p:sldIdLst>
   <p:sldSz cx="12192000" cy="6858000"/>
   <p:notesSz cx="6858000" cy="9144000"/>
@@ -104,6 +105,11 @@
       </a:defRPr>
     </a:lvl9pPr>
   </p:defaultTextStyle>
+  <p:extLst>
+    <p:ext uri="{EFAFB233-063F-42B5-8137-9DF3F51BA10A}">
+      <p15:sldGuideLst xmlns:p15="http://schemas.microsoft.com/office/powerpoint/2012/main"/>
+    </p:ext>
+  </p:extLst>
 </p:presentation>
 </file>
 
@@ -254,7 +260,7 @@
           <a:p>
             <a:fld id="{29D9189D-7A21-744D-A3B5-0A814C05FADE}" type="datetimeFigureOut">
               <a:rPr lang="en-US" smtClean="0"/>
-              <a:t>8/14/19</a:t>
+              <a:t>9/8/19</a:t>
             </a:fld>
             <a:endParaRPr lang="en-US"/>
           </a:p>
@@ -452,7 +458,7 @@
           <a:p>
             <a:fld id="{29D9189D-7A21-744D-A3B5-0A814C05FADE}" type="datetimeFigureOut">
               <a:rPr lang="en-US" smtClean="0"/>
-              <a:t>8/14/19</a:t>
+              <a:t>9/8/19</a:t>
             </a:fld>
             <a:endParaRPr lang="en-US"/>
           </a:p>
@@ -660,7 +666,7 @@
           <a:p>
             <a:fld id="{29D9189D-7A21-744D-A3B5-0A814C05FADE}" type="datetimeFigureOut">
               <a:rPr lang="en-US" smtClean="0"/>
-              <a:t>8/14/19</a:t>
+              <a:t>9/8/19</a:t>
             </a:fld>
             <a:endParaRPr lang="en-US"/>
           </a:p>
@@ -858,7 +864,7 @@
           <a:p>
             <a:fld id="{29D9189D-7A21-744D-A3B5-0A814C05FADE}" type="datetimeFigureOut">
               <a:rPr lang="en-US" smtClean="0"/>
-              <a:t>8/14/19</a:t>
+              <a:t>9/8/19</a:t>
             </a:fld>
             <a:endParaRPr lang="en-US"/>
           </a:p>
@@ -1133,7 +1139,7 @@
           <a:p>
             <a:fld id="{29D9189D-7A21-744D-A3B5-0A814C05FADE}" type="datetimeFigureOut">
               <a:rPr lang="en-US" smtClean="0"/>
-              <a:t>8/14/19</a:t>
+              <a:t>9/8/19</a:t>
             </a:fld>
             <a:endParaRPr lang="en-US"/>
           </a:p>
@@ -1398,7 +1404,7 @@
           <a:p>
             <a:fld id="{29D9189D-7A21-744D-A3B5-0A814C05FADE}" type="datetimeFigureOut">
               <a:rPr lang="en-US" smtClean="0"/>
-              <a:t>8/14/19</a:t>
+              <a:t>9/8/19</a:t>
             </a:fld>
             <a:endParaRPr lang="en-US"/>
           </a:p>
@@ -1810,7 +1816,7 @@
           <a:p>
             <a:fld id="{29D9189D-7A21-744D-A3B5-0A814C05FADE}" type="datetimeFigureOut">
               <a:rPr lang="en-US" smtClean="0"/>
-              <a:t>8/14/19</a:t>
+              <a:t>9/8/19</a:t>
             </a:fld>
             <a:endParaRPr lang="en-US"/>
           </a:p>
@@ -1951,7 +1957,7 @@
           <a:p>
             <a:fld id="{29D9189D-7A21-744D-A3B5-0A814C05FADE}" type="datetimeFigureOut">
               <a:rPr lang="en-US" smtClean="0"/>
-              <a:t>8/14/19</a:t>
+              <a:t>9/8/19</a:t>
             </a:fld>
             <a:endParaRPr lang="en-US"/>
           </a:p>
@@ -2064,7 +2070,7 @@
           <a:p>
             <a:fld id="{29D9189D-7A21-744D-A3B5-0A814C05FADE}" type="datetimeFigureOut">
               <a:rPr lang="en-US" smtClean="0"/>
-              <a:t>8/14/19</a:t>
+              <a:t>9/8/19</a:t>
             </a:fld>
             <a:endParaRPr lang="en-US"/>
           </a:p>
@@ -2375,7 +2381,7 @@
           <a:p>
             <a:fld id="{29D9189D-7A21-744D-A3B5-0A814C05FADE}" type="datetimeFigureOut">
               <a:rPr lang="en-US" smtClean="0"/>
-              <a:t>8/14/19</a:t>
+              <a:t>9/8/19</a:t>
             </a:fld>
             <a:endParaRPr lang="en-US"/>
           </a:p>
@@ -2663,7 +2669,7 @@
           <a:p>
             <a:fld id="{29D9189D-7A21-744D-A3B5-0A814C05FADE}" type="datetimeFigureOut">
               <a:rPr lang="en-US" smtClean="0"/>
-              <a:t>8/14/19</a:t>
+              <a:t>9/8/19</a:t>
             </a:fld>
             <a:endParaRPr lang="en-US"/>
           </a:p>
@@ -2904,7 +2910,7 @@
           <a:p>
             <a:fld id="{29D9189D-7A21-744D-A3B5-0A814C05FADE}" type="datetimeFigureOut">
               <a:rPr lang="en-US" smtClean="0"/>
-              <a:t>8/14/19</a:t>
+              <a:t>9/8/19</a:t>
             </a:fld>
             <a:endParaRPr lang="en-US"/>
           </a:p>
@@ -3557,6 +3563,604 @@
 </p:sld>
 </file>
 
+<file path=ppt/slides/slide2.xml><?xml version="1.0" encoding="utf-8"?>
+<p:sld xmlns:a="http://schemas.openxmlformats.org/drawingml/2006/main" xmlns:r="http://schemas.openxmlformats.org/officeDocument/2006/relationships" xmlns:p="http://schemas.openxmlformats.org/presentationml/2006/main">
+  <p:cSld>
+    <p:bg>
+      <p:bgPr>
+        <a:gradFill>
+          <a:gsLst>
+            <a:gs pos="0">
+              <a:schemeClr val="accent1">
+                <a:lumMod val="5000"/>
+                <a:lumOff val="95000"/>
+              </a:schemeClr>
+            </a:gs>
+            <a:gs pos="74000">
+              <a:schemeClr val="accent1">
+                <a:lumMod val="45000"/>
+                <a:lumOff val="55000"/>
+              </a:schemeClr>
+            </a:gs>
+            <a:gs pos="83000">
+              <a:schemeClr val="accent1">
+                <a:lumMod val="45000"/>
+                <a:lumOff val="55000"/>
+              </a:schemeClr>
+            </a:gs>
+            <a:gs pos="100000">
+              <a:schemeClr val="accent1">
+                <a:lumMod val="30000"/>
+                <a:lumOff val="70000"/>
+              </a:schemeClr>
+            </a:gs>
+          </a:gsLst>
+          <a:lin ang="5400000" scaled="1"/>
+        </a:gradFill>
+        <a:effectLst/>
+      </p:bgPr>
+    </p:bg>
+    <p:spTree>
+      <p:nvGrpSpPr>
+        <p:cNvPr id="1" name=""/>
+        <p:cNvGrpSpPr/>
+        <p:nvPr/>
+      </p:nvGrpSpPr>
+      <p:grpSpPr>
+        <a:xfrm>
+          <a:off x="0" y="0"/>
+          <a:ext cx="0" cy="0"/>
+          <a:chOff x="0" y="0"/>
+          <a:chExt cx="0" cy="0"/>
+        </a:xfrm>
+      </p:grpSpPr>
+      <p:grpSp>
+        <p:nvGrpSpPr>
+          <p:cNvPr id="21" name="Group 20">
+            <a:extLst>
+              <a:ext uri="{FF2B5EF4-FFF2-40B4-BE49-F238E27FC236}">
+                <a16:creationId xmlns:a16="http://schemas.microsoft.com/office/drawing/2014/main" id="{6FC94AEC-4CEC-8B43-B1E3-0A30879B6983}"/>
+              </a:ext>
+            </a:extLst>
+          </p:cNvPr>
+          <p:cNvGrpSpPr/>
+          <p:nvPr/>
+        </p:nvGrpSpPr>
+        <p:grpSpPr>
+          <a:xfrm>
+            <a:off x="6397626" y="2695575"/>
+            <a:ext cx="673734" cy="870586"/>
+            <a:chOff x="6397625" y="2695575"/>
+            <a:chExt cx="817343" cy="870586"/>
+          </a:xfrm>
+        </p:grpSpPr>
+        <p:sp>
+          <p:nvSpPr>
+            <p:cNvPr id="9" name="Rounded Rectangle 8">
+              <a:extLst>
+                <a:ext uri="{FF2B5EF4-FFF2-40B4-BE49-F238E27FC236}">
+                  <a16:creationId xmlns:a16="http://schemas.microsoft.com/office/drawing/2014/main" id="{8781009A-B093-2B41-8989-CB493C3513DE}"/>
+                </a:ext>
+              </a:extLst>
+            </p:cNvPr>
+            <p:cNvSpPr/>
+            <p:nvPr/>
+          </p:nvSpPr>
+          <p:spPr>
+            <a:xfrm>
+              <a:off x="6397625" y="3057525"/>
+              <a:ext cx="790575" cy="508636"/>
+            </a:xfrm>
+            <a:prstGeom prst="roundRect">
+              <a:avLst>
+                <a:gd name="adj" fmla="val 8182"/>
+              </a:avLst>
+            </a:prstGeom>
+            <a:solidFill>
+              <a:schemeClr val="bg1"/>
+            </a:solidFill>
+            <a:ln>
+              <a:noFill/>
+            </a:ln>
+          </p:spPr>
+          <p:style>
+            <a:lnRef idx="2">
+              <a:schemeClr val="accent1">
+                <a:shade val="50000"/>
+              </a:schemeClr>
+            </a:lnRef>
+            <a:fillRef idx="1">
+              <a:schemeClr val="accent1"/>
+            </a:fillRef>
+            <a:effectRef idx="0">
+              <a:schemeClr val="accent1"/>
+            </a:effectRef>
+            <a:fontRef idx="minor">
+              <a:schemeClr val="lt1"/>
+            </a:fontRef>
+          </p:style>
+          <p:txBody>
+            <a:bodyPr rtlCol="0" anchor="ctr"/>
+            <a:lstStyle/>
+            <a:p>
+              <a:pPr algn="ctr"/>
+              <a:endParaRPr lang="en-US"/>
+            </a:p>
+          </p:txBody>
+        </p:sp>
+        <p:sp>
+          <p:nvSpPr>
+            <p:cNvPr id="20" name="U-Turn Arrow 19">
+              <a:extLst>
+                <a:ext uri="{FF2B5EF4-FFF2-40B4-BE49-F238E27FC236}">
+                  <a16:creationId xmlns:a16="http://schemas.microsoft.com/office/drawing/2014/main" id="{EAF1D760-897F-6C40-AE71-2533EF070992}"/>
+                </a:ext>
+              </a:extLst>
+            </p:cNvPr>
+            <p:cNvSpPr/>
+            <p:nvPr/>
+          </p:nvSpPr>
+          <p:spPr>
+            <a:xfrm>
+              <a:off x="6487764" y="2695575"/>
+              <a:ext cx="727204" cy="552450"/>
+            </a:xfrm>
+            <a:prstGeom prst="uturnArrow">
+              <a:avLst>
+                <a:gd name="adj1" fmla="val 17529"/>
+                <a:gd name="adj2" fmla="val 25000"/>
+                <a:gd name="adj3" fmla="val 0"/>
+                <a:gd name="adj4" fmla="val 52730"/>
+                <a:gd name="adj5" fmla="val 75000"/>
+              </a:avLst>
+            </a:prstGeom>
+            <a:solidFill>
+              <a:schemeClr val="bg1"/>
+            </a:solidFill>
+            <a:ln>
+              <a:noFill/>
+            </a:ln>
+          </p:spPr>
+          <p:style>
+            <a:lnRef idx="2">
+              <a:schemeClr val="accent1">
+                <a:shade val="50000"/>
+              </a:schemeClr>
+            </a:lnRef>
+            <a:fillRef idx="1">
+              <a:schemeClr val="accent1"/>
+            </a:fillRef>
+            <a:effectRef idx="0">
+              <a:schemeClr val="accent1"/>
+            </a:effectRef>
+            <a:fontRef idx="minor">
+              <a:schemeClr val="lt1"/>
+            </a:fontRef>
+          </p:style>
+          <p:txBody>
+            <a:bodyPr rtlCol="0" anchor="ctr"/>
+            <a:lstStyle/>
+            <a:p>
+              <a:pPr algn="ctr"/>
+              <a:endParaRPr lang="en-US">
+                <a:solidFill>
+                  <a:schemeClr val="tx1"/>
+                </a:solidFill>
+              </a:endParaRPr>
+            </a:p>
+          </p:txBody>
+        </p:sp>
+      </p:grpSp>
+      <p:grpSp>
+        <p:nvGrpSpPr>
+          <p:cNvPr id="28" name="Group 27">
+            <a:extLst>
+              <a:ext uri="{FF2B5EF4-FFF2-40B4-BE49-F238E27FC236}">
+                <a16:creationId xmlns:a16="http://schemas.microsoft.com/office/drawing/2014/main" id="{499CD9FD-DDE2-E141-8D74-9D573FB92ACD}"/>
+              </a:ext>
+            </a:extLst>
+          </p:cNvPr>
+          <p:cNvGrpSpPr/>
+          <p:nvPr/>
+        </p:nvGrpSpPr>
+        <p:grpSpPr>
+          <a:xfrm>
+            <a:off x="7470775" y="2667000"/>
+            <a:ext cx="856193" cy="806450"/>
+            <a:chOff x="7470775" y="2667000"/>
+            <a:chExt cx="856193" cy="806450"/>
+          </a:xfrm>
+        </p:grpSpPr>
+        <p:grpSp>
+          <p:nvGrpSpPr>
+            <p:cNvPr id="22" name="Group 21">
+              <a:extLst>
+                <a:ext uri="{FF2B5EF4-FFF2-40B4-BE49-F238E27FC236}">
+                  <a16:creationId xmlns:a16="http://schemas.microsoft.com/office/drawing/2014/main" id="{BBCEACA2-3AD1-7F48-A2D9-574CA7593F37}"/>
+                </a:ext>
+              </a:extLst>
+            </p:cNvPr>
+            <p:cNvGrpSpPr/>
+            <p:nvPr/>
+          </p:nvGrpSpPr>
+          <p:grpSpPr>
+            <a:xfrm>
+              <a:off x="7470775" y="2667000"/>
+              <a:ext cx="790575" cy="806450"/>
+              <a:chOff x="6397625" y="2670175"/>
+              <a:chExt cx="790575" cy="806450"/>
+            </a:xfrm>
+          </p:grpSpPr>
+          <p:sp>
+            <p:nvSpPr>
+              <p:cNvPr id="23" name="Rounded Rectangle 22">
+                <a:extLst>
+                  <a:ext uri="{FF2B5EF4-FFF2-40B4-BE49-F238E27FC236}">
+                    <a16:creationId xmlns:a16="http://schemas.microsoft.com/office/drawing/2014/main" id="{3438CFA2-1D6D-2F48-9DE3-1EE32215828F}"/>
+                  </a:ext>
+                </a:extLst>
+              </p:cNvPr>
+              <p:cNvSpPr/>
+              <p:nvPr/>
+            </p:nvSpPr>
+            <p:spPr>
+              <a:xfrm>
+                <a:off x="6397625" y="3057525"/>
+                <a:ext cx="790575" cy="419100"/>
+              </a:xfrm>
+              <a:prstGeom prst="roundRect">
+                <a:avLst/>
+              </a:prstGeom>
+              <a:solidFill>
+                <a:schemeClr val="bg1"/>
+              </a:solidFill>
+              <a:ln>
+                <a:noFill/>
+              </a:ln>
+            </p:spPr>
+            <p:style>
+              <a:lnRef idx="2">
+                <a:schemeClr val="accent1">
+                  <a:shade val="50000"/>
+                </a:schemeClr>
+              </a:lnRef>
+              <a:fillRef idx="1">
+                <a:schemeClr val="accent1"/>
+              </a:fillRef>
+              <a:effectRef idx="0">
+                <a:schemeClr val="accent1"/>
+              </a:effectRef>
+              <a:fontRef idx="minor">
+                <a:schemeClr val="lt1"/>
+              </a:fontRef>
+            </p:style>
+            <p:txBody>
+              <a:bodyPr rtlCol="0" anchor="ctr"/>
+              <a:lstStyle/>
+              <a:p>
+                <a:pPr algn="ctr"/>
+                <a:endParaRPr lang="en-US"/>
+              </a:p>
+            </p:txBody>
+          </p:sp>
+          <p:sp>
+            <p:nvSpPr>
+              <p:cNvPr id="24" name="U-Turn Arrow 23">
+                <a:extLst>
+                  <a:ext uri="{FF2B5EF4-FFF2-40B4-BE49-F238E27FC236}">
+                    <a16:creationId xmlns:a16="http://schemas.microsoft.com/office/drawing/2014/main" id="{B5B3C8E8-A974-0848-8D9C-F243C4A54F5F}"/>
+                  </a:ext>
+                </a:extLst>
+              </p:cNvPr>
+              <p:cNvSpPr/>
+              <p:nvPr/>
+            </p:nvSpPr>
+            <p:spPr>
+              <a:xfrm>
+                <a:off x="6514306" y="2670175"/>
+                <a:ext cx="651669" cy="552450"/>
+              </a:xfrm>
+              <a:prstGeom prst="uturnArrow">
+                <a:avLst>
+                  <a:gd name="adj1" fmla="val 17529"/>
+                  <a:gd name="adj2" fmla="val 25000"/>
+                  <a:gd name="adj3" fmla="val 0"/>
+                  <a:gd name="adj4" fmla="val 52730"/>
+                  <a:gd name="adj5" fmla="val 50288"/>
+                </a:avLst>
+              </a:prstGeom>
+              <a:solidFill>
+                <a:schemeClr val="bg1"/>
+              </a:solidFill>
+              <a:ln>
+                <a:noFill/>
+              </a:ln>
+            </p:spPr>
+            <p:style>
+              <a:lnRef idx="2">
+                <a:schemeClr val="accent1">
+                  <a:shade val="50000"/>
+                </a:schemeClr>
+              </a:lnRef>
+              <a:fillRef idx="1">
+                <a:schemeClr val="accent1"/>
+              </a:fillRef>
+              <a:effectRef idx="0">
+                <a:schemeClr val="accent1"/>
+              </a:effectRef>
+              <a:fontRef idx="minor">
+                <a:schemeClr val="lt1"/>
+              </a:fontRef>
+            </p:style>
+            <p:txBody>
+              <a:bodyPr rtlCol="0" anchor="ctr"/>
+              <a:lstStyle/>
+              <a:p>
+                <a:pPr algn="ctr"/>
+                <a:endParaRPr lang="en-US">
+                  <a:solidFill>
+                    <a:schemeClr val="tx1"/>
+                  </a:solidFill>
+                </a:endParaRPr>
+              </a:p>
+            </p:txBody>
+          </p:sp>
+        </p:grpSp>
+        <p:sp>
+          <p:nvSpPr>
+            <p:cNvPr id="26" name="Triangle 25">
+              <a:extLst>
+                <a:ext uri="{FF2B5EF4-FFF2-40B4-BE49-F238E27FC236}">
+                  <a16:creationId xmlns:a16="http://schemas.microsoft.com/office/drawing/2014/main" id="{F5068BEB-5747-2D49-8C47-E99B3EDBD01D}"/>
+                </a:ext>
+              </a:extLst>
+            </p:cNvPr>
+            <p:cNvSpPr/>
+            <p:nvPr/>
+          </p:nvSpPr>
+          <p:spPr>
+            <a:xfrm rot="16956178">
+              <a:off x="8219449" y="2929285"/>
+              <a:ext cx="45719" cy="169318"/>
+            </a:xfrm>
+            <a:prstGeom prst="triangle">
+              <a:avLst/>
+            </a:prstGeom>
+            <a:solidFill>
+              <a:schemeClr val="bg1"/>
+            </a:solidFill>
+            <a:ln>
+              <a:noFill/>
+            </a:ln>
+          </p:spPr>
+          <p:style>
+            <a:lnRef idx="2">
+              <a:schemeClr val="accent1">
+                <a:shade val="50000"/>
+              </a:schemeClr>
+            </a:lnRef>
+            <a:fillRef idx="1">
+              <a:schemeClr val="accent1"/>
+            </a:fillRef>
+            <a:effectRef idx="0">
+              <a:schemeClr val="accent1"/>
+            </a:effectRef>
+            <a:fontRef idx="minor">
+              <a:schemeClr val="lt1"/>
+            </a:fontRef>
+          </p:style>
+          <p:txBody>
+            <a:bodyPr rtlCol="0" anchor="ctr"/>
+            <a:lstStyle/>
+            <a:p>
+              <a:pPr algn="ctr"/>
+              <a:endParaRPr lang="en-US"/>
+            </a:p>
+          </p:txBody>
+        </p:sp>
+        <p:sp>
+          <p:nvSpPr>
+            <p:cNvPr id="27" name="Triangle 26">
+              <a:extLst>
+                <a:ext uri="{FF2B5EF4-FFF2-40B4-BE49-F238E27FC236}">
+                  <a16:creationId xmlns:a16="http://schemas.microsoft.com/office/drawing/2014/main" id="{B86344E3-39F3-8F4D-B746-BA0652C7FE4D}"/>
+                </a:ext>
+              </a:extLst>
+            </p:cNvPr>
+            <p:cNvSpPr/>
+            <p:nvPr/>
+          </p:nvSpPr>
+          <p:spPr>
+            <a:xfrm rot="15394454">
+              <a:off x="8219448" y="2862632"/>
+              <a:ext cx="45719" cy="169318"/>
+            </a:xfrm>
+            <a:prstGeom prst="triangle">
+              <a:avLst/>
+            </a:prstGeom>
+            <a:solidFill>
+              <a:schemeClr val="bg1"/>
+            </a:solidFill>
+            <a:ln>
+              <a:noFill/>
+            </a:ln>
+          </p:spPr>
+          <p:style>
+            <a:lnRef idx="2">
+              <a:schemeClr val="accent1">
+                <a:shade val="50000"/>
+              </a:schemeClr>
+            </a:lnRef>
+            <a:fillRef idx="1">
+              <a:schemeClr val="accent1"/>
+            </a:fillRef>
+            <a:effectRef idx="0">
+              <a:schemeClr val="accent1"/>
+            </a:effectRef>
+            <a:fontRef idx="minor">
+              <a:schemeClr val="lt1"/>
+            </a:fontRef>
+          </p:style>
+          <p:txBody>
+            <a:bodyPr rtlCol="0" anchor="ctr"/>
+            <a:lstStyle/>
+            <a:p>
+              <a:pPr algn="ctr"/>
+              <a:endParaRPr lang="en-US"/>
+            </a:p>
+          </p:txBody>
+        </p:sp>
+      </p:grpSp>
+      <p:grpSp>
+        <p:nvGrpSpPr>
+          <p:cNvPr id="29" name="Group 28">
+            <a:extLst>
+              <a:ext uri="{FF2B5EF4-FFF2-40B4-BE49-F238E27FC236}">
+                <a16:creationId xmlns:a16="http://schemas.microsoft.com/office/drawing/2014/main" id="{5A7EE39E-B960-7B4A-95FB-D7ECF962A559}"/>
+              </a:ext>
+            </a:extLst>
+          </p:cNvPr>
+          <p:cNvGrpSpPr/>
+          <p:nvPr/>
+        </p:nvGrpSpPr>
+        <p:grpSpPr>
+          <a:xfrm>
+            <a:off x="6386593" y="3813175"/>
+            <a:ext cx="673734" cy="901066"/>
+            <a:chOff x="6397625" y="2665095"/>
+            <a:chExt cx="817343" cy="901066"/>
+          </a:xfrm>
+        </p:grpSpPr>
+        <p:sp>
+          <p:nvSpPr>
+            <p:cNvPr id="30" name="Rounded Rectangle 29">
+              <a:extLst>
+                <a:ext uri="{FF2B5EF4-FFF2-40B4-BE49-F238E27FC236}">
+                  <a16:creationId xmlns:a16="http://schemas.microsoft.com/office/drawing/2014/main" id="{CF9161A7-7914-B443-B378-F00E2EFB0D9D}"/>
+                </a:ext>
+              </a:extLst>
+            </p:cNvPr>
+            <p:cNvSpPr/>
+            <p:nvPr/>
+          </p:nvSpPr>
+          <p:spPr>
+            <a:xfrm>
+              <a:off x="6397625" y="3057525"/>
+              <a:ext cx="790575" cy="508636"/>
+            </a:xfrm>
+            <a:prstGeom prst="roundRect">
+              <a:avLst>
+                <a:gd name="adj" fmla="val 8182"/>
+              </a:avLst>
+            </a:prstGeom>
+            <a:solidFill>
+              <a:schemeClr val="bg1"/>
+            </a:solidFill>
+            <a:ln>
+              <a:noFill/>
+            </a:ln>
+          </p:spPr>
+          <p:style>
+            <a:lnRef idx="2">
+              <a:schemeClr val="accent1">
+                <a:shade val="50000"/>
+              </a:schemeClr>
+            </a:lnRef>
+            <a:fillRef idx="1">
+              <a:schemeClr val="accent1"/>
+            </a:fillRef>
+            <a:effectRef idx="0">
+              <a:schemeClr val="accent1"/>
+            </a:effectRef>
+            <a:fontRef idx="minor">
+              <a:schemeClr val="lt1"/>
+            </a:fontRef>
+          </p:style>
+          <p:txBody>
+            <a:bodyPr rtlCol="0" anchor="ctr"/>
+            <a:lstStyle/>
+            <a:p>
+              <a:pPr algn="ctr"/>
+              <a:endParaRPr lang="en-US"/>
+            </a:p>
+          </p:txBody>
+        </p:sp>
+        <p:sp>
+          <p:nvSpPr>
+            <p:cNvPr id="31" name="U-Turn Arrow 30">
+              <a:extLst>
+                <a:ext uri="{FF2B5EF4-FFF2-40B4-BE49-F238E27FC236}">
+                  <a16:creationId xmlns:a16="http://schemas.microsoft.com/office/drawing/2014/main" id="{B4EEEB78-07E5-2648-8B2E-01CF4FB3790B}"/>
+                </a:ext>
+              </a:extLst>
+            </p:cNvPr>
+            <p:cNvSpPr/>
+            <p:nvPr/>
+          </p:nvSpPr>
+          <p:spPr>
+            <a:xfrm>
+              <a:off x="6487764" y="2665095"/>
+              <a:ext cx="727204" cy="552450"/>
+            </a:xfrm>
+            <a:prstGeom prst="uturnArrow">
+              <a:avLst>
+                <a:gd name="adj1" fmla="val 17529"/>
+                <a:gd name="adj2" fmla="val 25000"/>
+                <a:gd name="adj3" fmla="val 0"/>
+                <a:gd name="adj4" fmla="val 52730"/>
+                <a:gd name="adj5" fmla="val 48333"/>
+              </a:avLst>
+            </a:prstGeom>
+            <a:solidFill>
+              <a:schemeClr val="bg1"/>
+            </a:solidFill>
+            <a:ln>
+              <a:noFill/>
+            </a:ln>
+          </p:spPr>
+          <p:style>
+            <a:lnRef idx="2">
+              <a:schemeClr val="accent1">
+                <a:shade val="50000"/>
+              </a:schemeClr>
+            </a:lnRef>
+            <a:fillRef idx="1">
+              <a:schemeClr val="accent1"/>
+            </a:fillRef>
+            <a:effectRef idx="0">
+              <a:schemeClr val="accent1"/>
+            </a:effectRef>
+            <a:fontRef idx="minor">
+              <a:schemeClr val="lt1"/>
+            </a:fontRef>
+          </p:style>
+          <p:txBody>
+            <a:bodyPr rtlCol="0" anchor="ctr"/>
+            <a:lstStyle/>
+            <a:p>
+              <a:pPr algn="ctr"/>
+              <a:endParaRPr lang="en-US" dirty="0">
+                <a:solidFill>
+                  <a:schemeClr val="tx1"/>
+                </a:solidFill>
+              </a:endParaRPr>
+            </a:p>
+          </p:txBody>
+        </p:sp>
+      </p:grpSp>
+    </p:spTree>
+    <p:extLst>
+      <p:ext uri="{BB962C8B-B14F-4D97-AF65-F5344CB8AC3E}">
+        <p14:creationId xmlns:p14="http://schemas.microsoft.com/office/powerpoint/2010/main" val="2678553430"/>
+      </p:ext>
+    </p:extLst>
+  </p:cSld>
+  <p:clrMapOvr>
+    <a:masterClrMapping/>
+  </p:clrMapOvr>
+</p:sld>
+</file>
+
 <file path=ppt/theme/theme1.xml><?xml version="1.0" encoding="utf-8"?>
 <a:theme xmlns:a="http://schemas.openxmlformats.org/drawingml/2006/main" name="Office Theme">
   <a:themeElements>
